--- a/Internet of Things.pptx
+++ b/Internet of Things.pptx
@@ -5,16 +5,23 @@
     <p:sldMasterId id="2147483684" r:id="rId1"/>
   </p:sldMasterIdLst>
   <p:notesMasterIdLst>
-    <p:notesMasterId r:id="rId9"/>
+    <p:notesMasterId r:id="rId16"/>
   </p:notesMasterIdLst>
   <p:sldIdLst>
     <p:sldId id="256" r:id="rId2"/>
     <p:sldId id="257" r:id="rId3"/>
     <p:sldId id="258" r:id="rId4"/>
-    <p:sldId id="259" r:id="rId5"/>
-    <p:sldId id="262" r:id="rId6"/>
-    <p:sldId id="260" r:id="rId7"/>
-    <p:sldId id="261" r:id="rId8"/>
+    <p:sldId id="260" r:id="rId5"/>
+    <p:sldId id="259" r:id="rId6"/>
+    <p:sldId id="262" r:id="rId7"/>
+    <p:sldId id="264" r:id="rId8"/>
+    <p:sldId id="263" r:id="rId9"/>
+    <p:sldId id="269" r:id="rId10"/>
+    <p:sldId id="268" r:id="rId11"/>
+    <p:sldId id="265" r:id="rId12"/>
+    <p:sldId id="266" r:id="rId13"/>
+    <p:sldId id="267" r:id="rId14"/>
+    <p:sldId id="261" r:id="rId15"/>
   </p:sldIdLst>
   <p:sldSz cx="6400800" cy="3600450"/>
   <p:notesSz cx="6858000" cy="9144000"/>
@@ -203,7 +210,7 @@
           <a:p>
             <a:fld id="{D5AF7F38-B21D-4C2D-B17E-73FCA8F279F0}" type="datetimeFigureOut">
               <a:rPr lang="de-DE" smtClean="0"/>
-              <a:t>19.01.2016</a:t>
+              <a:t>20.01.2016</a:t>
             </a:fld>
             <a:endParaRPr lang="de-DE"/>
           </a:p>
@@ -620,7 +627,7 @@
           <a:p>
             <a:fld id="{EB3B0E3E-1FDB-4FF5-9853-B7890A245784}" type="slidenum">
               <a:rPr lang="de-DE" smtClean="0"/>
-              <a:t>4</a:t>
+              <a:t>5</a:t>
             </a:fld>
             <a:endParaRPr lang="de-DE"/>
           </a:p>
@@ -704,7 +711,7 @@
           <a:p>
             <a:fld id="{EB3B0E3E-1FDB-4FF5-9853-B7890A245784}" type="slidenum">
               <a:rPr lang="de-DE" smtClean="0"/>
-              <a:t>5</a:t>
+              <a:t>6</a:t>
             </a:fld>
             <a:endParaRPr lang="de-DE"/>
           </a:p>
@@ -714,6 +721,90 @@
     <p:extLst>
       <p:ext uri="{BB962C8B-B14F-4D97-AF65-F5344CB8AC3E}">
         <p14:creationId xmlns:p14="http://schemas.microsoft.com/office/powerpoint/2010/main" val="1179546559"/>
+      </p:ext>
+    </p:extLst>
+  </p:cSld>
+  <p:clrMapOvr>
+    <a:masterClrMapping/>
+  </p:clrMapOvr>
+</p:notes>
+</file>
+
+<file path=ppt/notesSlides/notesSlide4.xml><?xml version="1.0" encoding="utf-8"?>
+<p:notes xmlns:a="http://schemas.openxmlformats.org/drawingml/2006/main" xmlns:r="http://schemas.openxmlformats.org/officeDocument/2006/relationships" xmlns:p="http://schemas.openxmlformats.org/presentationml/2006/main">
+  <p:cSld>
+    <p:spTree>
+      <p:nvGrpSpPr>
+        <p:cNvPr id="1" name=""/>
+        <p:cNvGrpSpPr/>
+        <p:nvPr/>
+      </p:nvGrpSpPr>
+      <p:grpSpPr>
+        <a:xfrm>
+          <a:off x="0" y="0"/>
+          <a:ext cx="0" cy="0"/>
+          <a:chOff x="0" y="0"/>
+          <a:chExt cx="0" cy="0"/>
+        </a:xfrm>
+      </p:grpSpPr>
+      <p:sp>
+        <p:nvSpPr>
+          <p:cNvPr id="2" name="Folienbildplatzhalter 1"/>
+          <p:cNvSpPr>
+            <a:spLocks noGrp="1" noRot="1" noChangeAspect="1"/>
+          </p:cNvSpPr>
+          <p:nvPr>
+            <p:ph type="sldImg"/>
+          </p:nvPr>
+        </p:nvSpPr>
+        <p:spPr/>
+      </p:sp>
+      <p:sp>
+        <p:nvSpPr>
+          <p:cNvPr id="3" name="Notizenplatzhalter 2"/>
+          <p:cNvSpPr>
+            <a:spLocks noGrp="1"/>
+          </p:cNvSpPr>
+          <p:nvPr>
+            <p:ph type="body" idx="1"/>
+          </p:nvPr>
+        </p:nvSpPr>
+        <p:spPr/>
+        <p:txBody>
+          <a:bodyPr/>
+          <a:lstStyle/>
+          <a:p>
+            <a:endParaRPr lang="de-DE" dirty="0"/>
+          </a:p>
+        </p:txBody>
+      </p:sp>
+      <p:sp>
+        <p:nvSpPr>
+          <p:cNvPr id="4" name="Foliennummernplatzhalter 3"/>
+          <p:cNvSpPr>
+            <a:spLocks noGrp="1"/>
+          </p:cNvSpPr>
+          <p:nvPr>
+            <p:ph type="sldNum" sz="quarter" idx="10"/>
+          </p:nvPr>
+        </p:nvSpPr>
+        <p:spPr/>
+        <p:txBody>
+          <a:bodyPr/>
+          <a:lstStyle/>
+          <a:p>
+            <a:fld id="{EB3B0E3E-1FDB-4FF5-9853-B7890A245784}" type="slidenum">
+              <a:rPr lang="de-DE" smtClean="0"/>
+              <a:t>8</a:t>
+            </a:fld>
+            <a:endParaRPr lang="de-DE"/>
+          </a:p>
+        </p:txBody>
+      </p:sp>
+    </p:spTree>
+    <p:extLst>
+      <p:ext uri="{BB962C8B-B14F-4D97-AF65-F5344CB8AC3E}">
+        <p14:creationId xmlns:p14="http://schemas.microsoft.com/office/powerpoint/2010/main" val="2221238303"/>
       </p:ext>
     </p:extLst>
   </p:cSld>
@@ -854,7 +945,7 @@
           <a:p>
             <a:fld id="{3711ED9E-D6CB-42A0-999F-DEF74129CE69}" type="datetimeFigureOut">
               <a:rPr lang="de-DE" smtClean="0"/>
-              <a:t>19.01.2016</a:t>
+              <a:t>20.01.2016</a:t>
             </a:fld>
             <a:endParaRPr lang="de-DE"/>
           </a:p>
@@ -1024,7 +1115,7 @@
           <a:p>
             <a:fld id="{3711ED9E-D6CB-42A0-999F-DEF74129CE69}" type="datetimeFigureOut">
               <a:rPr lang="de-DE" smtClean="0"/>
-              <a:t>19.01.2016</a:t>
+              <a:t>20.01.2016</a:t>
             </a:fld>
             <a:endParaRPr lang="de-DE"/>
           </a:p>
@@ -1204,7 +1295,7 @@
           <a:p>
             <a:fld id="{3711ED9E-D6CB-42A0-999F-DEF74129CE69}" type="datetimeFigureOut">
               <a:rPr lang="de-DE" smtClean="0"/>
-              <a:t>19.01.2016</a:t>
+              <a:t>20.01.2016</a:t>
             </a:fld>
             <a:endParaRPr lang="de-DE"/>
           </a:p>
@@ -1374,7 +1465,7 @@
           <a:p>
             <a:fld id="{3711ED9E-D6CB-42A0-999F-DEF74129CE69}" type="datetimeFigureOut">
               <a:rPr lang="de-DE" smtClean="0"/>
-              <a:t>19.01.2016</a:t>
+              <a:t>20.01.2016</a:t>
             </a:fld>
             <a:endParaRPr lang="de-DE"/>
           </a:p>
@@ -1620,7 +1711,7 @@
           <a:p>
             <a:fld id="{3711ED9E-D6CB-42A0-999F-DEF74129CE69}" type="datetimeFigureOut">
               <a:rPr lang="de-DE" smtClean="0"/>
-              <a:t>19.01.2016</a:t>
+              <a:t>20.01.2016</a:t>
             </a:fld>
             <a:endParaRPr lang="de-DE"/>
           </a:p>
@@ -1852,7 +1943,7 @@
           <a:p>
             <a:fld id="{3711ED9E-D6CB-42A0-999F-DEF74129CE69}" type="datetimeFigureOut">
               <a:rPr lang="de-DE" smtClean="0"/>
-              <a:t>19.01.2016</a:t>
+              <a:t>20.01.2016</a:t>
             </a:fld>
             <a:endParaRPr lang="de-DE"/>
           </a:p>
@@ -2219,7 +2310,7 @@
           <a:p>
             <a:fld id="{3711ED9E-D6CB-42A0-999F-DEF74129CE69}" type="datetimeFigureOut">
               <a:rPr lang="de-DE" smtClean="0"/>
-              <a:t>19.01.2016</a:t>
+              <a:t>20.01.2016</a:t>
             </a:fld>
             <a:endParaRPr lang="de-DE"/>
           </a:p>
@@ -2337,7 +2428,7 @@
           <a:p>
             <a:fld id="{3711ED9E-D6CB-42A0-999F-DEF74129CE69}" type="datetimeFigureOut">
               <a:rPr lang="de-DE" smtClean="0"/>
-              <a:t>19.01.2016</a:t>
+              <a:t>20.01.2016</a:t>
             </a:fld>
             <a:endParaRPr lang="de-DE"/>
           </a:p>
@@ -2432,7 +2523,7 @@
           <a:p>
             <a:fld id="{3711ED9E-D6CB-42A0-999F-DEF74129CE69}" type="datetimeFigureOut">
               <a:rPr lang="de-DE" smtClean="0"/>
-              <a:t>19.01.2016</a:t>
+              <a:t>20.01.2016</a:t>
             </a:fld>
             <a:endParaRPr lang="de-DE"/>
           </a:p>
@@ -2709,7 +2800,7 @@
           <a:p>
             <a:fld id="{3711ED9E-D6CB-42A0-999F-DEF74129CE69}" type="datetimeFigureOut">
               <a:rPr lang="de-DE" smtClean="0"/>
-              <a:t>19.01.2016</a:t>
+              <a:t>20.01.2016</a:t>
             </a:fld>
             <a:endParaRPr lang="de-DE"/>
           </a:p>
@@ -2966,7 +3057,7 @@
           <a:p>
             <a:fld id="{3711ED9E-D6CB-42A0-999F-DEF74129CE69}" type="datetimeFigureOut">
               <a:rPr lang="de-DE" smtClean="0"/>
-              <a:t>19.01.2016</a:t>
+              <a:t>20.01.2016</a:t>
             </a:fld>
             <a:endParaRPr lang="de-DE"/>
           </a:p>
@@ -3179,7 +3270,7 @@
           <a:p>
             <a:fld id="{3711ED9E-D6CB-42A0-999F-DEF74129CE69}" type="datetimeFigureOut">
               <a:rPr lang="de-DE" smtClean="0"/>
-              <a:t>19.01.2016</a:t>
+              <a:t>20.01.2016</a:t>
             </a:fld>
             <a:endParaRPr lang="de-DE"/>
           </a:p>
@@ -3654,29 +3745,7 @@
                 <a:ea typeface="Roboto Thin" panose="02000000000000000000" pitchFamily="2" charset="0"/>
                 <a:cs typeface="Roboto Thin" panose="02000000000000000000" pitchFamily="2" charset="0"/>
               </a:rPr>
-              <a:t>Internet </a:t>
-            </a:r>
-            <a:r>
-              <a:rPr lang="de-DE" sz="6000" dirty="0" smtClean="0">
-                <a:solidFill>
-                  <a:schemeClr val="bg1"/>
-                </a:solidFill>
-                <a:latin typeface="Roboto Thin" panose="02000000000000000000" pitchFamily="2" charset="0"/>
-                <a:ea typeface="Roboto Thin" panose="02000000000000000000" pitchFamily="2" charset="0"/>
-                <a:cs typeface="Roboto Thin" panose="02000000000000000000" pitchFamily="2" charset="0"/>
-              </a:rPr>
-              <a:t>of </a:t>
-            </a:r>
-            <a:r>
-              <a:rPr lang="de-DE" sz="6000" dirty="0" smtClean="0">
-                <a:solidFill>
-                  <a:schemeClr val="bg1"/>
-                </a:solidFill>
-                <a:latin typeface="Roboto Thin" panose="02000000000000000000" pitchFamily="2" charset="0"/>
-                <a:ea typeface="Roboto Thin" panose="02000000000000000000" pitchFamily="2" charset="0"/>
-                <a:cs typeface="Roboto Thin" panose="02000000000000000000" pitchFamily="2" charset="0"/>
-              </a:rPr>
-              <a:t>Things</a:t>
+              <a:t>Internet of Things</a:t>
             </a:r>
             <a:endParaRPr lang="de-DE" sz="6000" dirty="0">
               <a:solidFill>
@@ -3699,6 +3768,912 @@
   <p:clrMapOvr>
     <a:masterClrMapping/>
   </p:clrMapOvr>
+</p:sld>
+</file>
+
+<file path=ppt/slides/slide10.xml><?xml version="1.0" encoding="utf-8"?>
+<p:sld xmlns:a="http://schemas.openxmlformats.org/drawingml/2006/main" xmlns:r="http://schemas.openxmlformats.org/officeDocument/2006/relationships" xmlns:p="http://schemas.openxmlformats.org/presentationml/2006/main">
+  <p:cSld>
+    <p:spTree>
+      <p:nvGrpSpPr>
+        <p:cNvPr id="1" name=""/>
+        <p:cNvGrpSpPr/>
+        <p:nvPr/>
+      </p:nvGrpSpPr>
+      <p:grpSpPr>
+        <a:xfrm>
+          <a:off x="0" y="0"/>
+          <a:ext cx="0" cy="0"/>
+          <a:chOff x="0" y="0"/>
+          <a:chExt cx="0" cy="0"/>
+        </a:xfrm>
+      </p:grpSpPr>
+      <p:pic>
+        <p:nvPicPr>
+          <p:cNvPr id="4" name="Grafik 3"/>
+          <p:cNvPicPr>
+            <a:picLocks noChangeAspect="1"/>
+          </p:cNvPicPr>
+          <p:nvPr/>
+        </p:nvPicPr>
+        <p:blipFill>
+          <a:blip r:embed="rId2" cstate="print">
+            <a:extLst>
+              <a:ext uri="{BEBA8EAE-BF5A-486C-A8C5-ECC9F3942E4B}">
+                <a14:imgProps xmlns:a14="http://schemas.microsoft.com/office/drawing/2010/main">
+                  <a14:imgLayer r:embed="rId3">
+                    <a14:imgEffect>
+                      <a14:brightnessContrast bright="-40000"/>
+                    </a14:imgEffect>
+                  </a14:imgLayer>
+                </a14:imgProps>
+              </a:ext>
+              <a:ext uri="{28A0092B-C50C-407E-A947-70E740481C1C}">
+                <a14:useLocalDpi xmlns:a14="http://schemas.microsoft.com/office/drawing/2010/main" val="0"/>
+              </a:ext>
+            </a:extLst>
+          </a:blip>
+          <a:stretch>
+            <a:fillRect/>
+          </a:stretch>
+        </p:blipFill>
+        <p:spPr>
+          <a:xfrm>
+            <a:off x="0" y="0"/>
+            <a:ext cx="6400800" cy="3600450"/>
+          </a:xfrm>
+          <a:prstGeom prst="rect">
+            <a:avLst/>
+          </a:prstGeom>
+        </p:spPr>
+      </p:pic>
+      <p:sp>
+        <p:nvSpPr>
+          <p:cNvPr id="2" name="Titel 1"/>
+          <p:cNvSpPr>
+            <a:spLocks noGrp="1"/>
+          </p:cNvSpPr>
+          <p:nvPr>
+            <p:ph type="title"/>
+          </p:nvPr>
+        </p:nvSpPr>
+        <p:spPr/>
+        <p:txBody>
+          <a:bodyPr>
+            <a:normAutofit/>
+          </a:bodyPr>
+          <a:lstStyle/>
+          <a:p>
+            <a:r>
+              <a:rPr lang="de-DE" sz="3600" dirty="0" smtClean="0">
+                <a:solidFill>
+                  <a:schemeClr val="bg1"/>
+                </a:solidFill>
+                <a:latin typeface="Roboto Thin" panose="02000000000000000000" pitchFamily="2" charset="0"/>
+                <a:ea typeface="Roboto Thin" panose="02000000000000000000" pitchFamily="2" charset="0"/>
+                <a:cs typeface="Roboto Thin" panose="02000000000000000000" pitchFamily="2" charset="0"/>
+              </a:rPr>
+              <a:t>Funktionen</a:t>
+            </a:r>
+            <a:endParaRPr lang="de-DE" sz="3600" dirty="0">
+              <a:solidFill>
+                <a:schemeClr val="bg1"/>
+              </a:solidFill>
+              <a:latin typeface="Roboto Thin" panose="02000000000000000000" pitchFamily="2" charset="0"/>
+              <a:ea typeface="Roboto Thin" panose="02000000000000000000" pitchFamily="2" charset="0"/>
+              <a:cs typeface="Roboto Thin" panose="02000000000000000000" pitchFamily="2" charset="0"/>
+            </a:endParaRPr>
+          </a:p>
+        </p:txBody>
+      </p:sp>
+      <p:sp>
+        <p:nvSpPr>
+          <p:cNvPr id="3" name="Inhaltsplatzhalter 2"/>
+          <p:cNvSpPr>
+            <a:spLocks noGrp="1"/>
+          </p:cNvSpPr>
+          <p:nvPr>
+            <p:ph idx="1"/>
+          </p:nvPr>
+        </p:nvSpPr>
+        <p:spPr/>
+        <p:txBody>
+          <a:bodyPr>
+            <a:normAutofit/>
+          </a:bodyPr>
+          <a:lstStyle/>
+          <a:p>
+            <a:r>
+              <a:rPr lang="de-DE" sz="2400" dirty="0" smtClean="0">
+                <a:solidFill>
+                  <a:schemeClr val="bg1"/>
+                </a:solidFill>
+                <a:latin typeface="Roboto Thin" panose="02000000000000000000" pitchFamily="2" charset="0"/>
+                <a:ea typeface="Roboto Thin" panose="02000000000000000000" pitchFamily="2" charset="0"/>
+                <a:cs typeface="Roboto Thin" panose="02000000000000000000" pitchFamily="2" charset="0"/>
+              </a:rPr>
+              <a:t>Aufschließen mit PIN</a:t>
+            </a:r>
+          </a:p>
+          <a:p>
+            <a:r>
+              <a:rPr lang="de-DE" sz="2400" dirty="0" smtClean="0">
+                <a:solidFill>
+                  <a:schemeClr val="bg1"/>
+                </a:solidFill>
+                <a:latin typeface="Roboto Thin" panose="02000000000000000000" pitchFamily="2" charset="0"/>
+                <a:ea typeface="Roboto Thin" panose="02000000000000000000" pitchFamily="2" charset="0"/>
+                <a:cs typeface="Roboto Thin" panose="02000000000000000000" pitchFamily="2" charset="0"/>
+              </a:rPr>
+              <a:t>Erstellen von mehreren PINs</a:t>
+            </a:r>
+          </a:p>
+          <a:p>
+            <a:r>
+              <a:rPr lang="de-DE" sz="2400" dirty="0" smtClean="0">
+                <a:solidFill>
+                  <a:schemeClr val="bg1"/>
+                </a:solidFill>
+                <a:latin typeface="Roboto Thin" panose="02000000000000000000" pitchFamily="2" charset="0"/>
+                <a:ea typeface="Roboto Thin" panose="02000000000000000000" pitchFamily="2" charset="0"/>
+                <a:cs typeface="Roboto Thin" panose="02000000000000000000" pitchFamily="2" charset="0"/>
+              </a:rPr>
+              <a:t>Löschen von PINs</a:t>
+            </a:r>
+          </a:p>
+          <a:p>
+            <a:r>
+              <a:rPr lang="de-DE" sz="2400" dirty="0" smtClean="0">
+                <a:solidFill>
+                  <a:schemeClr val="bg1"/>
+                </a:solidFill>
+                <a:latin typeface="Roboto Thin" panose="02000000000000000000" pitchFamily="2" charset="0"/>
+                <a:ea typeface="Roboto Thin" panose="02000000000000000000" pitchFamily="2" charset="0"/>
+                <a:cs typeface="Roboto Thin" panose="02000000000000000000" pitchFamily="2" charset="0"/>
+              </a:rPr>
+              <a:t>PINs mit Zeitbegrenzung</a:t>
+            </a:r>
+          </a:p>
+          <a:p>
+            <a:endParaRPr lang="de-DE" sz="2400" dirty="0">
+              <a:solidFill>
+                <a:schemeClr val="bg1"/>
+              </a:solidFill>
+              <a:latin typeface="Roboto Thin" panose="02000000000000000000" pitchFamily="2" charset="0"/>
+              <a:ea typeface="Roboto Thin" panose="02000000000000000000" pitchFamily="2" charset="0"/>
+              <a:cs typeface="Roboto Thin" panose="02000000000000000000" pitchFamily="2" charset="0"/>
+            </a:endParaRPr>
+          </a:p>
+        </p:txBody>
+      </p:sp>
+    </p:spTree>
+    <p:extLst>
+      <p:ext uri="{BB962C8B-B14F-4D97-AF65-F5344CB8AC3E}">
+        <p14:creationId xmlns:p14="http://schemas.microsoft.com/office/powerpoint/2010/main" val="1862472272"/>
+      </p:ext>
+    </p:extLst>
+  </p:cSld>
+  <p:clrMapOvr>
+    <a:masterClrMapping/>
+  </p:clrMapOvr>
+  <p:timing>
+    <p:tnLst>
+      <p:par>
+        <p:cTn id="1" dur="indefinite" restart="never" nodeType="tmRoot"/>
+      </p:par>
+    </p:tnLst>
+  </p:timing>
+</p:sld>
+</file>
+
+<file path=ppt/slides/slide11.xml><?xml version="1.0" encoding="utf-8"?>
+<p:sld xmlns:a="http://schemas.openxmlformats.org/drawingml/2006/main" xmlns:r="http://schemas.openxmlformats.org/officeDocument/2006/relationships" xmlns:p="http://schemas.openxmlformats.org/presentationml/2006/main">
+  <p:cSld>
+    <p:spTree>
+      <p:nvGrpSpPr>
+        <p:cNvPr id="1" name=""/>
+        <p:cNvGrpSpPr/>
+        <p:nvPr/>
+      </p:nvGrpSpPr>
+      <p:grpSpPr>
+        <a:xfrm>
+          <a:off x="0" y="0"/>
+          <a:ext cx="0" cy="0"/>
+          <a:chOff x="0" y="0"/>
+          <a:chExt cx="0" cy="0"/>
+        </a:xfrm>
+      </p:grpSpPr>
+      <p:pic>
+        <p:nvPicPr>
+          <p:cNvPr id="4" name="Grafik 3"/>
+          <p:cNvPicPr>
+            <a:picLocks noChangeAspect="1"/>
+          </p:cNvPicPr>
+          <p:nvPr/>
+        </p:nvPicPr>
+        <p:blipFill>
+          <a:blip r:embed="rId2" cstate="print">
+            <a:extLst>
+              <a:ext uri="{BEBA8EAE-BF5A-486C-A8C5-ECC9F3942E4B}">
+                <a14:imgProps xmlns:a14="http://schemas.microsoft.com/office/drawing/2010/main">
+                  <a14:imgLayer r:embed="rId3">
+                    <a14:imgEffect>
+                      <a14:brightnessContrast bright="-40000"/>
+                    </a14:imgEffect>
+                  </a14:imgLayer>
+                </a14:imgProps>
+              </a:ext>
+              <a:ext uri="{28A0092B-C50C-407E-A947-70E740481C1C}">
+                <a14:useLocalDpi xmlns:a14="http://schemas.microsoft.com/office/drawing/2010/main" val="0"/>
+              </a:ext>
+            </a:extLst>
+          </a:blip>
+          <a:stretch>
+            <a:fillRect/>
+          </a:stretch>
+        </p:blipFill>
+        <p:spPr>
+          <a:xfrm>
+            <a:off x="0" y="0"/>
+            <a:ext cx="6400800" cy="3600450"/>
+          </a:xfrm>
+          <a:prstGeom prst="rect">
+            <a:avLst/>
+          </a:prstGeom>
+        </p:spPr>
+      </p:pic>
+      <p:sp>
+        <p:nvSpPr>
+          <p:cNvPr id="2" name="Titel 1"/>
+          <p:cNvSpPr>
+            <a:spLocks noGrp="1"/>
+          </p:cNvSpPr>
+          <p:nvPr>
+            <p:ph type="title"/>
+          </p:nvPr>
+        </p:nvSpPr>
+        <p:spPr/>
+        <p:txBody>
+          <a:bodyPr>
+            <a:normAutofit/>
+          </a:bodyPr>
+          <a:lstStyle/>
+          <a:p>
+            <a:r>
+              <a:rPr lang="de-DE" sz="3600" dirty="0" smtClean="0">
+                <a:solidFill>
+                  <a:schemeClr val="bg1"/>
+                </a:solidFill>
+                <a:latin typeface="Roboto Thin" panose="02000000000000000000" pitchFamily="2" charset="0"/>
+                <a:ea typeface="Roboto Thin" panose="02000000000000000000" pitchFamily="2" charset="0"/>
+                <a:cs typeface="Roboto Thin" panose="02000000000000000000" pitchFamily="2" charset="0"/>
+              </a:rPr>
+              <a:t>Aufschließvorgang</a:t>
+            </a:r>
+            <a:endParaRPr lang="de-DE" sz="3600" dirty="0">
+              <a:solidFill>
+                <a:schemeClr val="bg1"/>
+              </a:solidFill>
+              <a:latin typeface="Roboto Thin" panose="02000000000000000000" pitchFamily="2" charset="0"/>
+              <a:ea typeface="Roboto Thin" panose="02000000000000000000" pitchFamily="2" charset="0"/>
+              <a:cs typeface="Roboto Thin" panose="02000000000000000000" pitchFamily="2" charset="0"/>
+            </a:endParaRPr>
+          </a:p>
+        </p:txBody>
+      </p:sp>
+      <p:sp>
+        <p:nvSpPr>
+          <p:cNvPr id="3" name="Inhaltsplatzhalter 2"/>
+          <p:cNvSpPr>
+            <a:spLocks noGrp="1"/>
+          </p:cNvSpPr>
+          <p:nvPr>
+            <p:ph idx="1"/>
+          </p:nvPr>
+        </p:nvSpPr>
+        <p:spPr/>
+        <p:txBody>
+          <a:bodyPr>
+            <a:normAutofit/>
+          </a:bodyPr>
+          <a:lstStyle/>
+          <a:p>
+            <a:pPr marL="457200" indent="-457200">
+              <a:buAutoNum type="arabicPeriod"/>
+            </a:pPr>
+            <a:r>
+              <a:rPr lang="de-DE" sz="2000" dirty="0" smtClean="0">
+                <a:solidFill>
+                  <a:schemeClr val="bg1"/>
+                </a:solidFill>
+                <a:latin typeface="Roboto Thin" panose="02000000000000000000" pitchFamily="2" charset="0"/>
+                <a:ea typeface="Roboto Thin" panose="02000000000000000000" pitchFamily="2" charset="0"/>
+                <a:cs typeface="Roboto Thin" panose="02000000000000000000" pitchFamily="2" charset="0"/>
+              </a:rPr>
+              <a:t>PIN wird über lokales Netz an Tür gesendet</a:t>
+            </a:r>
+          </a:p>
+          <a:p>
+            <a:pPr marL="457200" indent="-457200">
+              <a:buAutoNum type="arabicPeriod"/>
+            </a:pPr>
+            <a:r>
+              <a:rPr lang="de-DE" sz="2000" dirty="0" smtClean="0">
+                <a:solidFill>
+                  <a:schemeClr val="bg1"/>
+                </a:solidFill>
+                <a:latin typeface="Roboto Thin" panose="02000000000000000000" pitchFamily="2" charset="0"/>
+                <a:ea typeface="Roboto Thin" panose="02000000000000000000" pitchFamily="2" charset="0"/>
+                <a:cs typeface="Roboto Thin" panose="02000000000000000000" pitchFamily="2" charset="0"/>
+              </a:rPr>
+              <a:t>Tür sendet PIN und ID an Webserver</a:t>
+            </a:r>
+          </a:p>
+          <a:p>
+            <a:pPr marL="457200" indent="-457200">
+              <a:buAutoNum type="arabicPeriod"/>
+            </a:pPr>
+            <a:r>
+              <a:rPr lang="de-DE" sz="2000" dirty="0" smtClean="0">
+                <a:solidFill>
+                  <a:schemeClr val="bg1"/>
+                </a:solidFill>
+                <a:latin typeface="Roboto Thin" panose="02000000000000000000" pitchFamily="2" charset="0"/>
+                <a:ea typeface="Roboto Thin" panose="02000000000000000000" pitchFamily="2" charset="0"/>
+                <a:cs typeface="Roboto Thin" panose="02000000000000000000" pitchFamily="2" charset="0"/>
+              </a:rPr>
+              <a:t>Webserver überprüft PIN, sendet Ergebnis an Tür</a:t>
+            </a:r>
+          </a:p>
+          <a:p>
+            <a:pPr marL="457200" indent="-457200">
+              <a:buAutoNum type="arabicPeriod"/>
+            </a:pPr>
+            <a:r>
+              <a:rPr lang="de-DE" sz="2000" dirty="0" smtClean="0">
+                <a:solidFill>
+                  <a:schemeClr val="bg1"/>
+                </a:solidFill>
+                <a:latin typeface="Roboto Thin" panose="02000000000000000000" pitchFamily="2" charset="0"/>
+                <a:ea typeface="Roboto Thin" panose="02000000000000000000" pitchFamily="2" charset="0"/>
+                <a:cs typeface="Roboto Thin" panose="02000000000000000000" pitchFamily="2" charset="0"/>
+              </a:rPr>
+              <a:t>Tür öffnet sich, gibt Rückmeldung an Nutzer</a:t>
+            </a:r>
+          </a:p>
+          <a:p>
+            <a:pPr marL="457200" indent="-457200">
+              <a:buAutoNum type="arabicPeriod"/>
+            </a:pPr>
+            <a:r>
+              <a:rPr lang="de-DE" sz="2000" dirty="0" smtClean="0">
+                <a:solidFill>
+                  <a:schemeClr val="bg1"/>
+                </a:solidFill>
+                <a:latin typeface="Roboto Thin" panose="02000000000000000000" pitchFamily="2" charset="0"/>
+                <a:ea typeface="Roboto Thin" panose="02000000000000000000" pitchFamily="2" charset="0"/>
+                <a:cs typeface="Roboto Thin" panose="02000000000000000000" pitchFamily="2" charset="0"/>
+              </a:rPr>
+              <a:t>Tür schließt zeitverzögert</a:t>
+            </a:r>
+            <a:endParaRPr lang="de-DE" sz="2000" dirty="0">
+              <a:solidFill>
+                <a:schemeClr val="bg1"/>
+              </a:solidFill>
+              <a:latin typeface="Roboto Thin" panose="02000000000000000000" pitchFamily="2" charset="0"/>
+              <a:ea typeface="Roboto Thin" panose="02000000000000000000" pitchFamily="2" charset="0"/>
+              <a:cs typeface="Roboto Thin" panose="02000000000000000000" pitchFamily="2" charset="0"/>
+            </a:endParaRPr>
+          </a:p>
+        </p:txBody>
+      </p:sp>
+    </p:spTree>
+    <p:extLst>
+      <p:ext uri="{BB962C8B-B14F-4D97-AF65-F5344CB8AC3E}">
+        <p14:creationId xmlns:p14="http://schemas.microsoft.com/office/powerpoint/2010/main" val="2629278067"/>
+      </p:ext>
+    </p:extLst>
+  </p:cSld>
+  <p:clrMapOvr>
+    <a:masterClrMapping/>
+  </p:clrMapOvr>
+  <p:timing>
+    <p:tnLst>
+      <p:par>
+        <p:cTn id="1" dur="indefinite" restart="never" nodeType="tmRoot"/>
+      </p:par>
+    </p:tnLst>
+  </p:timing>
+</p:sld>
+</file>
+
+<file path=ppt/slides/slide12.xml><?xml version="1.0" encoding="utf-8"?>
+<p:sld xmlns:a="http://schemas.openxmlformats.org/drawingml/2006/main" xmlns:r="http://schemas.openxmlformats.org/officeDocument/2006/relationships" xmlns:p="http://schemas.openxmlformats.org/presentationml/2006/main">
+  <p:cSld>
+    <p:spTree>
+      <p:nvGrpSpPr>
+        <p:cNvPr id="1" name=""/>
+        <p:cNvGrpSpPr/>
+        <p:nvPr/>
+      </p:nvGrpSpPr>
+      <p:grpSpPr>
+        <a:xfrm>
+          <a:off x="0" y="0"/>
+          <a:ext cx="0" cy="0"/>
+          <a:chOff x="0" y="0"/>
+          <a:chExt cx="0" cy="0"/>
+        </a:xfrm>
+      </p:grpSpPr>
+      <p:pic>
+        <p:nvPicPr>
+          <p:cNvPr id="4" name="Grafik 3"/>
+          <p:cNvPicPr>
+            <a:picLocks noChangeAspect="1"/>
+          </p:cNvPicPr>
+          <p:nvPr/>
+        </p:nvPicPr>
+        <p:blipFill>
+          <a:blip r:embed="rId2" cstate="print">
+            <a:extLst>
+              <a:ext uri="{BEBA8EAE-BF5A-486C-A8C5-ECC9F3942E4B}">
+                <a14:imgProps xmlns:a14="http://schemas.microsoft.com/office/drawing/2010/main">
+                  <a14:imgLayer r:embed="rId3">
+                    <a14:imgEffect>
+                      <a14:brightnessContrast bright="-40000"/>
+                    </a14:imgEffect>
+                  </a14:imgLayer>
+                </a14:imgProps>
+              </a:ext>
+              <a:ext uri="{28A0092B-C50C-407E-A947-70E740481C1C}">
+                <a14:useLocalDpi xmlns:a14="http://schemas.microsoft.com/office/drawing/2010/main" val="0"/>
+              </a:ext>
+            </a:extLst>
+          </a:blip>
+          <a:stretch>
+            <a:fillRect/>
+          </a:stretch>
+        </p:blipFill>
+        <p:spPr>
+          <a:xfrm>
+            <a:off x="0" y="0"/>
+            <a:ext cx="6400800" cy="3600450"/>
+          </a:xfrm>
+          <a:prstGeom prst="rect">
+            <a:avLst/>
+          </a:prstGeom>
+        </p:spPr>
+      </p:pic>
+      <p:sp>
+        <p:nvSpPr>
+          <p:cNvPr id="2" name="Titel 1"/>
+          <p:cNvSpPr>
+            <a:spLocks noGrp="1"/>
+          </p:cNvSpPr>
+          <p:nvPr>
+            <p:ph type="title"/>
+          </p:nvPr>
+        </p:nvSpPr>
+        <p:spPr/>
+        <p:txBody>
+          <a:bodyPr>
+            <a:normAutofit/>
+          </a:bodyPr>
+          <a:lstStyle/>
+          <a:p>
+            <a:r>
+              <a:rPr lang="de-DE" sz="3600" dirty="0" smtClean="0">
+                <a:solidFill>
+                  <a:schemeClr val="bg1"/>
+                </a:solidFill>
+                <a:latin typeface="Roboto Thin" panose="02000000000000000000" pitchFamily="2" charset="0"/>
+                <a:ea typeface="Roboto Thin" panose="02000000000000000000" pitchFamily="2" charset="0"/>
+                <a:cs typeface="Roboto Thin" panose="02000000000000000000" pitchFamily="2" charset="0"/>
+              </a:rPr>
+              <a:t>Erstellen von PINs</a:t>
+            </a:r>
+            <a:endParaRPr lang="de-DE" sz="3600" dirty="0">
+              <a:solidFill>
+                <a:schemeClr val="bg1"/>
+              </a:solidFill>
+              <a:latin typeface="Roboto Thin" panose="02000000000000000000" pitchFamily="2" charset="0"/>
+              <a:ea typeface="Roboto Thin" panose="02000000000000000000" pitchFamily="2" charset="0"/>
+              <a:cs typeface="Roboto Thin" panose="02000000000000000000" pitchFamily="2" charset="0"/>
+            </a:endParaRPr>
+          </a:p>
+        </p:txBody>
+      </p:sp>
+      <p:sp>
+        <p:nvSpPr>
+          <p:cNvPr id="3" name="Inhaltsplatzhalter 2"/>
+          <p:cNvSpPr>
+            <a:spLocks noGrp="1"/>
+          </p:cNvSpPr>
+          <p:nvPr>
+            <p:ph idx="1"/>
+          </p:nvPr>
+        </p:nvSpPr>
+        <p:spPr/>
+        <p:txBody>
+          <a:bodyPr>
+            <a:normAutofit/>
+          </a:bodyPr>
+          <a:lstStyle/>
+          <a:p>
+            <a:pPr marL="457200" indent="-457200">
+              <a:buAutoNum type="arabicPeriod"/>
+            </a:pPr>
+            <a:r>
+              <a:rPr lang="de-DE" sz="2400" dirty="0" smtClean="0">
+                <a:solidFill>
+                  <a:schemeClr val="bg1"/>
+                </a:solidFill>
+                <a:latin typeface="Roboto Thin" panose="02000000000000000000" pitchFamily="2" charset="0"/>
+                <a:ea typeface="Roboto Thin" panose="02000000000000000000" pitchFamily="2" charset="0"/>
+                <a:cs typeface="Roboto Thin" panose="02000000000000000000" pitchFamily="2" charset="0"/>
+              </a:rPr>
+              <a:t>PIN wird über lokales Netz an Tür gesendet</a:t>
+            </a:r>
+          </a:p>
+          <a:p>
+            <a:pPr marL="457200" indent="-457200">
+              <a:buAutoNum type="arabicPeriod"/>
+            </a:pPr>
+            <a:r>
+              <a:rPr lang="de-DE" sz="2400" dirty="0" smtClean="0">
+                <a:solidFill>
+                  <a:schemeClr val="bg1"/>
+                </a:solidFill>
+                <a:latin typeface="Roboto Thin" panose="02000000000000000000" pitchFamily="2" charset="0"/>
+                <a:ea typeface="Roboto Thin" panose="02000000000000000000" pitchFamily="2" charset="0"/>
+                <a:cs typeface="Roboto Thin" panose="02000000000000000000" pitchFamily="2" charset="0"/>
+              </a:rPr>
+              <a:t>Tür sendet PIN und ID an Server</a:t>
+            </a:r>
+          </a:p>
+          <a:p>
+            <a:pPr marL="457200" indent="-457200">
+              <a:buAutoNum type="arabicPeriod"/>
+            </a:pPr>
+            <a:r>
+              <a:rPr lang="de-DE" sz="2400" dirty="0" smtClean="0">
+                <a:solidFill>
+                  <a:schemeClr val="bg1"/>
+                </a:solidFill>
+                <a:latin typeface="Roboto Thin" panose="02000000000000000000" pitchFamily="2" charset="0"/>
+                <a:ea typeface="Roboto Thin" panose="02000000000000000000" pitchFamily="2" charset="0"/>
+                <a:cs typeface="Roboto Thin" panose="02000000000000000000" pitchFamily="2" charset="0"/>
+              </a:rPr>
+              <a:t>Server trägt PIN in Datenbank ein</a:t>
+            </a:r>
+            <a:endParaRPr lang="de-DE" sz="2400" dirty="0">
+              <a:solidFill>
+                <a:schemeClr val="bg1"/>
+              </a:solidFill>
+              <a:latin typeface="Roboto Thin" panose="02000000000000000000" pitchFamily="2" charset="0"/>
+              <a:ea typeface="Roboto Thin" panose="02000000000000000000" pitchFamily="2" charset="0"/>
+              <a:cs typeface="Roboto Thin" panose="02000000000000000000" pitchFamily="2" charset="0"/>
+            </a:endParaRPr>
+          </a:p>
+        </p:txBody>
+      </p:sp>
+    </p:spTree>
+    <p:extLst>
+      <p:ext uri="{BB962C8B-B14F-4D97-AF65-F5344CB8AC3E}">
+        <p14:creationId xmlns:p14="http://schemas.microsoft.com/office/powerpoint/2010/main" val="1515815208"/>
+      </p:ext>
+    </p:extLst>
+  </p:cSld>
+  <p:clrMapOvr>
+    <a:masterClrMapping/>
+  </p:clrMapOvr>
+  <p:timing>
+    <p:tnLst>
+      <p:par>
+        <p:cTn id="1" dur="indefinite" restart="never" nodeType="tmRoot"/>
+      </p:par>
+    </p:tnLst>
+  </p:timing>
+</p:sld>
+</file>
+
+<file path=ppt/slides/slide13.xml><?xml version="1.0" encoding="utf-8"?>
+<p:sld xmlns:a="http://schemas.openxmlformats.org/drawingml/2006/main" xmlns:r="http://schemas.openxmlformats.org/officeDocument/2006/relationships" xmlns:p="http://schemas.openxmlformats.org/presentationml/2006/main">
+  <p:cSld>
+    <p:spTree>
+      <p:nvGrpSpPr>
+        <p:cNvPr id="1" name=""/>
+        <p:cNvGrpSpPr/>
+        <p:nvPr/>
+      </p:nvGrpSpPr>
+      <p:grpSpPr>
+        <a:xfrm>
+          <a:off x="0" y="0"/>
+          <a:ext cx="0" cy="0"/>
+          <a:chOff x="0" y="0"/>
+          <a:chExt cx="0" cy="0"/>
+        </a:xfrm>
+      </p:grpSpPr>
+      <p:pic>
+        <p:nvPicPr>
+          <p:cNvPr id="4" name="Grafik 3"/>
+          <p:cNvPicPr>
+            <a:picLocks noChangeAspect="1"/>
+          </p:cNvPicPr>
+          <p:nvPr/>
+        </p:nvPicPr>
+        <p:blipFill>
+          <a:blip r:embed="rId2" cstate="print">
+            <a:extLst>
+              <a:ext uri="{BEBA8EAE-BF5A-486C-A8C5-ECC9F3942E4B}">
+                <a14:imgProps xmlns:a14="http://schemas.microsoft.com/office/drawing/2010/main">
+                  <a14:imgLayer r:embed="rId3">
+                    <a14:imgEffect>
+                      <a14:brightnessContrast bright="-40000"/>
+                    </a14:imgEffect>
+                  </a14:imgLayer>
+                </a14:imgProps>
+              </a:ext>
+              <a:ext uri="{28A0092B-C50C-407E-A947-70E740481C1C}">
+                <a14:useLocalDpi xmlns:a14="http://schemas.microsoft.com/office/drawing/2010/main" val="0"/>
+              </a:ext>
+            </a:extLst>
+          </a:blip>
+          <a:stretch>
+            <a:fillRect/>
+          </a:stretch>
+        </p:blipFill>
+        <p:spPr>
+          <a:xfrm>
+            <a:off x="0" y="0"/>
+            <a:ext cx="6400800" cy="3600450"/>
+          </a:xfrm>
+          <a:prstGeom prst="rect">
+            <a:avLst/>
+          </a:prstGeom>
+        </p:spPr>
+      </p:pic>
+      <p:sp>
+        <p:nvSpPr>
+          <p:cNvPr id="2" name="Titel 1"/>
+          <p:cNvSpPr>
+            <a:spLocks noGrp="1"/>
+          </p:cNvSpPr>
+          <p:nvPr>
+            <p:ph type="title"/>
+          </p:nvPr>
+        </p:nvSpPr>
+        <p:spPr/>
+        <p:txBody>
+          <a:bodyPr>
+            <a:normAutofit/>
+          </a:bodyPr>
+          <a:lstStyle/>
+          <a:p>
+            <a:r>
+              <a:rPr lang="de-DE" sz="3600" dirty="0" smtClean="0">
+                <a:solidFill>
+                  <a:schemeClr val="bg1"/>
+                </a:solidFill>
+                <a:latin typeface="Roboto Thin" panose="02000000000000000000" pitchFamily="2" charset="0"/>
+                <a:ea typeface="Roboto Thin" panose="02000000000000000000" pitchFamily="2" charset="0"/>
+                <a:cs typeface="Roboto Thin" panose="02000000000000000000" pitchFamily="2" charset="0"/>
+              </a:rPr>
+              <a:t>Löschen von PINs</a:t>
+            </a:r>
+            <a:endParaRPr lang="de-DE" sz="3600" dirty="0">
+              <a:solidFill>
+                <a:schemeClr val="bg1"/>
+              </a:solidFill>
+              <a:latin typeface="Roboto Thin" panose="02000000000000000000" pitchFamily="2" charset="0"/>
+              <a:ea typeface="Roboto Thin" panose="02000000000000000000" pitchFamily="2" charset="0"/>
+              <a:cs typeface="Roboto Thin" panose="02000000000000000000" pitchFamily="2" charset="0"/>
+            </a:endParaRPr>
+          </a:p>
+        </p:txBody>
+      </p:sp>
+      <p:sp>
+        <p:nvSpPr>
+          <p:cNvPr id="3" name="Inhaltsplatzhalter 2"/>
+          <p:cNvSpPr>
+            <a:spLocks noGrp="1"/>
+          </p:cNvSpPr>
+          <p:nvPr>
+            <p:ph idx="1"/>
+          </p:nvPr>
+        </p:nvSpPr>
+        <p:spPr/>
+        <p:txBody>
+          <a:bodyPr>
+            <a:normAutofit/>
+          </a:bodyPr>
+          <a:lstStyle/>
+          <a:p>
+            <a:pPr marL="457200" indent="-457200">
+              <a:buAutoNum type="arabicPeriod"/>
+            </a:pPr>
+            <a:r>
+              <a:rPr lang="de-DE" sz="2400" dirty="0" smtClean="0">
+                <a:solidFill>
+                  <a:schemeClr val="bg1"/>
+                </a:solidFill>
+                <a:latin typeface="Roboto Thin" panose="02000000000000000000" pitchFamily="2" charset="0"/>
+                <a:ea typeface="Roboto Thin" panose="02000000000000000000" pitchFamily="2" charset="0"/>
+                <a:cs typeface="Roboto Thin" panose="02000000000000000000" pitchFamily="2" charset="0"/>
+              </a:rPr>
+              <a:t>PIN und Master-PIN werden über lokales Netz an Tür gesendet</a:t>
+            </a:r>
+          </a:p>
+          <a:p>
+            <a:pPr marL="457200" indent="-457200">
+              <a:buAutoNum type="arabicPeriod"/>
+            </a:pPr>
+            <a:r>
+              <a:rPr lang="de-DE" sz="2400" dirty="0" smtClean="0">
+                <a:solidFill>
+                  <a:schemeClr val="bg1"/>
+                </a:solidFill>
+                <a:latin typeface="Roboto Thin" panose="02000000000000000000" pitchFamily="2" charset="0"/>
+                <a:ea typeface="Roboto Thin" panose="02000000000000000000" pitchFamily="2" charset="0"/>
+                <a:cs typeface="Roboto Thin" panose="02000000000000000000" pitchFamily="2" charset="0"/>
+              </a:rPr>
+              <a:t>Tür sendet PIN, Master-PIN, ID an Webserver</a:t>
+            </a:r>
+          </a:p>
+          <a:p>
+            <a:pPr marL="457200" indent="-457200">
+              <a:buAutoNum type="arabicPeriod"/>
+            </a:pPr>
+            <a:r>
+              <a:rPr lang="de-DE" sz="2400" dirty="0" smtClean="0">
+                <a:solidFill>
+                  <a:schemeClr val="bg1"/>
+                </a:solidFill>
+                <a:latin typeface="Roboto Thin" panose="02000000000000000000" pitchFamily="2" charset="0"/>
+                <a:ea typeface="Roboto Thin" panose="02000000000000000000" pitchFamily="2" charset="0"/>
+                <a:cs typeface="Roboto Thin" panose="02000000000000000000" pitchFamily="2" charset="0"/>
+              </a:rPr>
+              <a:t>Server prüft Master-PIN, entfernt PIN</a:t>
+            </a:r>
+            <a:endParaRPr lang="de-DE" sz="2400" dirty="0">
+              <a:solidFill>
+                <a:schemeClr val="bg1"/>
+              </a:solidFill>
+              <a:latin typeface="Roboto Thin" panose="02000000000000000000" pitchFamily="2" charset="0"/>
+              <a:ea typeface="Roboto Thin" panose="02000000000000000000" pitchFamily="2" charset="0"/>
+              <a:cs typeface="Roboto Thin" panose="02000000000000000000" pitchFamily="2" charset="0"/>
+            </a:endParaRPr>
+          </a:p>
+        </p:txBody>
+      </p:sp>
+    </p:spTree>
+    <p:extLst>
+      <p:ext uri="{BB962C8B-B14F-4D97-AF65-F5344CB8AC3E}">
+        <p14:creationId xmlns:p14="http://schemas.microsoft.com/office/powerpoint/2010/main" val="3821112154"/>
+      </p:ext>
+    </p:extLst>
+  </p:cSld>
+  <p:clrMapOvr>
+    <a:masterClrMapping/>
+  </p:clrMapOvr>
+  <p:timing>
+    <p:tnLst>
+      <p:par>
+        <p:cTn id="1" dur="indefinite" restart="never" nodeType="tmRoot"/>
+      </p:par>
+    </p:tnLst>
+  </p:timing>
+</p:sld>
+</file>
+
+<file path=ppt/slides/slide14.xml><?xml version="1.0" encoding="utf-8"?>
+<p:sld xmlns:a="http://schemas.openxmlformats.org/drawingml/2006/main" xmlns:r="http://schemas.openxmlformats.org/officeDocument/2006/relationships" xmlns:p="http://schemas.openxmlformats.org/presentationml/2006/main">
+  <p:cSld>
+    <p:spTree>
+      <p:nvGrpSpPr>
+        <p:cNvPr id="1" name=""/>
+        <p:cNvGrpSpPr/>
+        <p:nvPr/>
+      </p:nvGrpSpPr>
+      <p:grpSpPr>
+        <a:xfrm>
+          <a:off x="0" y="0"/>
+          <a:ext cx="0" cy="0"/>
+          <a:chOff x="0" y="0"/>
+          <a:chExt cx="0" cy="0"/>
+        </a:xfrm>
+      </p:grpSpPr>
+      <p:sp>
+        <p:nvSpPr>
+          <p:cNvPr id="2" name="Titel 1"/>
+          <p:cNvSpPr>
+            <a:spLocks noGrp="1"/>
+          </p:cNvSpPr>
+          <p:nvPr>
+            <p:ph type="title"/>
+          </p:nvPr>
+        </p:nvSpPr>
+        <p:spPr/>
+        <p:txBody>
+          <a:bodyPr/>
+          <a:lstStyle/>
+          <a:p>
+            <a:r>
+              <a:rPr lang="de-DE" dirty="0" smtClean="0"/>
+              <a:t>Quellen</a:t>
+            </a:r>
+            <a:endParaRPr lang="de-DE" dirty="0"/>
+          </a:p>
+        </p:txBody>
+      </p:sp>
+      <p:sp>
+        <p:nvSpPr>
+          <p:cNvPr id="3" name="Inhaltsplatzhalter 2"/>
+          <p:cNvSpPr>
+            <a:spLocks noGrp="1"/>
+          </p:cNvSpPr>
+          <p:nvPr>
+            <p:ph idx="1"/>
+          </p:nvPr>
+        </p:nvSpPr>
+        <p:spPr/>
+        <p:txBody>
+          <a:bodyPr/>
+          <a:lstStyle/>
+          <a:p>
+            <a:r>
+              <a:rPr lang="de-DE" dirty="0">
+                <a:hlinkClick r:id="rId2"/>
+              </a:rPr>
+              <a:t>https://www.ics.uci.edu/~</a:t>
+            </a:r>
+            <a:r>
+              <a:rPr lang="de-DE" dirty="0" smtClean="0">
+                <a:hlinkClick r:id="rId2"/>
+              </a:rPr>
+              <a:t>corps/phaseii/Weiser-Computer21stCentury-SciAm.pdf</a:t>
+            </a:r>
+            <a:endParaRPr lang="de-DE" dirty="0" smtClean="0"/>
+          </a:p>
+          <a:p>
+            <a:r>
+              <a:rPr lang="de-DE" dirty="0">
+                <a:hlinkClick r:id="rId3"/>
+              </a:rPr>
+              <a:t>https://www.facebook.com/notes/facebook-engineering/visualizing-friendships/469716398919</a:t>
+            </a:r>
+            <a:r>
+              <a:rPr lang="de-DE" dirty="0" smtClean="0">
+                <a:hlinkClick r:id="rId3"/>
+              </a:rPr>
+              <a:t>/</a:t>
+            </a:r>
+            <a:endParaRPr lang="de-DE" dirty="0" smtClean="0"/>
+          </a:p>
+          <a:p>
+            <a:r>
+              <a:rPr lang="de-DE" dirty="0"/>
+              <a:t>https://de.wikipedia.org/wiki/Internet_der_Dinge</a:t>
+            </a:r>
+          </a:p>
+        </p:txBody>
+      </p:sp>
+    </p:spTree>
+    <p:extLst>
+      <p:ext uri="{BB962C8B-B14F-4D97-AF65-F5344CB8AC3E}">
+        <p14:creationId xmlns:p14="http://schemas.microsoft.com/office/powerpoint/2010/main" val="3205735628"/>
+      </p:ext>
+    </p:extLst>
+  </p:cSld>
+  <p:clrMapOvr>
+    <a:masterClrMapping/>
+  </p:clrMapOvr>
+  <p:timing>
+    <p:tnLst>
+      <p:par>
+        <p:cTn id="1" dur="indefinite" restart="never" nodeType="tmRoot"/>
+      </p:par>
+    </p:tnLst>
+  </p:timing>
 </p:sld>
 </file>
 
@@ -4388,6 +5363,204 @@
 </file>
 
 <file path=ppt/slides/slide4.xml><?xml version="1.0" encoding="utf-8"?>
+<p:sld xmlns:a="http://schemas.openxmlformats.org/drawingml/2006/main" xmlns:r="http://schemas.openxmlformats.org/officeDocument/2006/relationships" xmlns:p="http://schemas.openxmlformats.org/presentationml/2006/main">
+  <p:cSld>
+    <p:spTree>
+      <p:nvGrpSpPr>
+        <p:cNvPr id="1" name=""/>
+        <p:cNvGrpSpPr/>
+        <p:nvPr/>
+      </p:nvGrpSpPr>
+      <p:grpSpPr>
+        <a:xfrm>
+          <a:off x="0" y="0"/>
+          <a:ext cx="0" cy="0"/>
+          <a:chOff x="0" y="0"/>
+          <a:chExt cx="0" cy="0"/>
+        </a:xfrm>
+      </p:grpSpPr>
+      <p:pic>
+        <p:nvPicPr>
+          <p:cNvPr id="6" name="Grafik 5"/>
+          <p:cNvPicPr>
+            <a:picLocks noChangeAspect="1"/>
+          </p:cNvPicPr>
+          <p:nvPr/>
+        </p:nvPicPr>
+        <p:blipFill>
+          <a:blip r:embed="rId2" cstate="print">
+            <a:extLst>
+              <a:ext uri="{BEBA8EAE-BF5A-486C-A8C5-ECC9F3942E4B}">
+                <a14:imgProps xmlns:a14="http://schemas.microsoft.com/office/drawing/2010/main">
+                  <a14:imgLayer r:embed="rId3">
+                    <a14:imgEffect>
+                      <a14:brightnessContrast bright="-40000"/>
+                    </a14:imgEffect>
+                  </a14:imgLayer>
+                </a14:imgProps>
+              </a:ext>
+              <a:ext uri="{28A0092B-C50C-407E-A947-70E740481C1C}">
+                <a14:useLocalDpi xmlns:a14="http://schemas.microsoft.com/office/drawing/2010/main" val="0"/>
+              </a:ext>
+            </a:extLst>
+          </a:blip>
+          <a:stretch>
+            <a:fillRect/>
+          </a:stretch>
+        </p:blipFill>
+        <p:spPr>
+          <a:xfrm>
+            <a:off x="0" y="0"/>
+            <a:ext cx="6400800" cy="3600450"/>
+          </a:xfrm>
+          <a:prstGeom prst="rect">
+            <a:avLst/>
+          </a:prstGeom>
+        </p:spPr>
+      </p:pic>
+      <p:sp>
+        <p:nvSpPr>
+          <p:cNvPr id="2" name="Titel 1"/>
+          <p:cNvSpPr>
+            <a:spLocks noGrp="1"/>
+          </p:cNvSpPr>
+          <p:nvPr>
+            <p:ph type="ctrTitle"/>
+          </p:nvPr>
+        </p:nvSpPr>
+        <p:spPr>
+          <a:xfrm>
+            <a:off x="50800" y="49160"/>
+            <a:ext cx="6292850" cy="3151239"/>
+          </a:xfrm>
+        </p:spPr>
+        <p:txBody>
+          <a:bodyPr anchor="ctr">
+            <a:noAutofit/>
+          </a:bodyPr>
+          <a:lstStyle/>
+          <a:p>
+            <a:r>
+              <a:rPr lang="en-US" sz="2800" dirty="0">
+                <a:solidFill>
+                  <a:schemeClr val="bg1"/>
+                </a:solidFill>
+                <a:latin typeface="Roboto Thin" panose="02000000000000000000" pitchFamily="2" charset="0"/>
+                <a:ea typeface="Roboto Thin" panose="02000000000000000000" pitchFamily="2" charset="0"/>
+                <a:cs typeface="Roboto Thin" panose="02000000000000000000" pitchFamily="2" charset="0"/>
+              </a:rPr>
+              <a:t>The most profound technologies are those that disappear</a:t>
+            </a:r>
+            <a:r>
+              <a:rPr lang="en-US" sz="2800" dirty="0" smtClean="0">
+                <a:solidFill>
+                  <a:schemeClr val="bg1"/>
+                </a:solidFill>
+                <a:latin typeface="Roboto Thin" panose="02000000000000000000" pitchFamily="2" charset="0"/>
+                <a:ea typeface="Roboto Thin" panose="02000000000000000000" pitchFamily="2" charset="0"/>
+                <a:cs typeface="Roboto Thin" panose="02000000000000000000" pitchFamily="2" charset="0"/>
+              </a:rPr>
+              <a:t>. </a:t>
+            </a:r>
+            <a:r>
+              <a:rPr lang="en-US" sz="2800" dirty="0">
+                <a:solidFill>
+                  <a:schemeClr val="bg1"/>
+                </a:solidFill>
+                <a:latin typeface="Roboto Thin" panose="02000000000000000000" pitchFamily="2" charset="0"/>
+                <a:ea typeface="Roboto Thin" panose="02000000000000000000" pitchFamily="2" charset="0"/>
+                <a:cs typeface="Roboto Thin" panose="02000000000000000000" pitchFamily="2" charset="0"/>
+              </a:rPr>
+              <a:t>They weave themselves into the fabric of everyday life until they are indistinguishable from it.</a:t>
+            </a:r>
+            <a:endParaRPr lang="de-DE" sz="2800" dirty="0">
+              <a:solidFill>
+                <a:schemeClr val="bg1"/>
+              </a:solidFill>
+              <a:latin typeface="Roboto Thin" panose="02000000000000000000" pitchFamily="2" charset="0"/>
+              <a:ea typeface="Roboto Thin" panose="02000000000000000000" pitchFamily="2" charset="0"/>
+              <a:cs typeface="Roboto Thin" panose="02000000000000000000" pitchFamily="2" charset="0"/>
+            </a:endParaRPr>
+          </a:p>
+        </p:txBody>
+      </p:sp>
+      <p:sp>
+        <p:nvSpPr>
+          <p:cNvPr id="3" name="Textfeld 2"/>
+          <p:cNvSpPr txBox="1"/>
+          <p:nvPr/>
+        </p:nvSpPr>
+        <p:spPr>
+          <a:xfrm>
+            <a:off x="395817" y="2831067"/>
+            <a:ext cx="5602816" cy="369332"/>
+          </a:xfrm>
+          <a:prstGeom prst="rect">
+            <a:avLst/>
+          </a:prstGeom>
+          <a:noFill/>
+        </p:spPr>
+        <p:txBody>
+          <a:bodyPr wrap="none" rtlCol="0">
+            <a:spAutoFit/>
+          </a:bodyPr>
+          <a:lstStyle/>
+          <a:p>
+            <a:pPr algn="ctr"/>
+            <a:r>
+              <a:rPr lang="de-DE" dirty="0" smtClean="0">
+                <a:solidFill>
+                  <a:schemeClr val="bg1"/>
+                </a:solidFill>
+                <a:latin typeface="Roboto Thin" panose="02000000000000000000" pitchFamily="2" charset="0"/>
+                <a:ea typeface="Roboto Thin" panose="02000000000000000000" pitchFamily="2" charset="0"/>
+                <a:cs typeface="Roboto Thin" panose="02000000000000000000" pitchFamily="2" charset="0"/>
+              </a:rPr>
+              <a:t>Mark Weiser, 1991, </a:t>
+            </a:r>
+            <a:r>
+              <a:rPr lang="en-US" dirty="0">
+                <a:solidFill>
+                  <a:schemeClr val="bg1"/>
+                </a:solidFill>
+                <a:latin typeface="Roboto Thin" panose="02000000000000000000" pitchFamily="2" charset="0"/>
+                <a:ea typeface="Roboto Thin" panose="02000000000000000000" pitchFamily="2" charset="0"/>
+                <a:cs typeface="Roboto Thin" panose="02000000000000000000" pitchFamily="2" charset="0"/>
+              </a:rPr>
+              <a:t>The Computer for the 21st Century</a:t>
+            </a:r>
+            <a:endParaRPr lang="de-DE" dirty="0">
+              <a:solidFill>
+                <a:schemeClr val="bg1"/>
+              </a:solidFill>
+              <a:latin typeface="Roboto Thin" panose="02000000000000000000" pitchFamily="2" charset="0"/>
+              <a:ea typeface="Roboto Thin" panose="02000000000000000000" pitchFamily="2" charset="0"/>
+              <a:cs typeface="Roboto Thin" panose="02000000000000000000" pitchFamily="2" charset="0"/>
+            </a:endParaRPr>
+          </a:p>
+        </p:txBody>
+      </p:sp>
+    </p:spTree>
+    <p:extLst>
+      <p:ext uri="{BB962C8B-B14F-4D97-AF65-F5344CB8AC3E}">
+        <p14:creationId xmlns:p14="http://schemas.microsoft.com/office/powerpoint/2010/main" val="1191928647"/>
+      </p:ext>
+    </p:extLst>
+  </p:cSld>
+  <p:clrMapOvr>
+    <a:masterClrMapping/>
+  </p:clrMapOvr>
+  <p:timing>
+    <p:tnLst>
+      <p:par>
+        <p:cTn id="1" dur="indefinite" restart="never" nodeType="tmRoot"/>
+      </p:par>
+    </p:tnLst>
+  </p:timing>
+</p:sld>
+</file>
+
+<file path=ppt/slides/slide5.xml><?xml version="1.0" encoding="utf-8"?>
 <p:sld xmlns:a="http://schemas.openxmlformats.org/drawingml/2006/main" xmlns:r="http://schemas.openxmlformats.org/officeDocument/2006/relationships" xmlns:p="http://schemas.openxmlformats.org/presentationml/2006/main">
   <p:cSld>
     <p:spTree>
@@ -4552,7 +5725,7 @@
 </p:sld>
 </file>
 
-<file path=ppt/slides/slide5.xml><?xml version="1.0" encoding="utf-8"?>
+<file path=ppt/slides/slide6.xml><?xml version="1.0" encoding="utf-8"?>
 <p:sld xmlns:a="http://schemas.openxmlformats.org/drawingml/2006/main" xmlns:r="http://schemas.openxmlformats.org/officeDocument/2006/relationships" xmlns:p="http://schemas.openxmlformats.org/presentationml/2006/main">
   <p:cSld>
     <p:spTree>
@@ -4873,10 +6046,17 @@
   <p:clrMapOvr>
     <a:masterClrMapping/>
   </p:clrMapOvr>
+  <p:timing>
+    <p:tnLst>
+      <p:par>
+        <p:cTn id="1" dur="indefinite" restart="never" nodeType="tmRoot"/>
+      </p:par>
+    </p:tnLst>
+  </p:timing>
 </p:sld>
 </file>
 
-<file path=ppt/slides/slide6.xml><?xml version="1.0" encoding="utf-8"?>
+<file path=ppt/slides/slide7.xml><?xml version="1.0" encoding="utf-8"?>
 <p:sld xmlns:a="http://schemas.openxmlformats.org/drawingml/2006/main" xmlns:r="http://schemas.openxmlformats.org/officeDocument/2006/relationships" xmlns:p="http://schemas.openxmlformats.org/presentationml/2006/main">
   <p:cSld>
     <p:spTree>
@@ -4895,7 +6075,7 @@
       </p:grpSpPr>
       <p:pic>
         <p:nvPicPr>
-          <p:cNvPr id="6" name="Grafik 5"/>
+          <p:cNvPr id="4" name="Grafik 3"/>
           <p:cNvPicPr>
             <a:picLocks noChangeAspect="1"/>
           </p:cNvPicPr>
@@ -4939,23 +6119,18 @@
             <a:spLocks noGrp="1"/>
           </p:cNvSpPr>
           <p:nvPr>
-            <p:ph type="ctrTitle"/>
-          </p:nvPr>
-        </p:nvSpPr>
-        <p:spPr>
-          <a:xfrm>
-            <a:off x="50800" y="49160"/>
-            <a:ext cx="6292850" cy="3151239"/>
-          </a:xfrm>
-        </p:spPr>
-        <p:txBody>
-          <a:bodyPr anchor="ctr">
-            <a:noAutofit/>
+            <p:ph type="title"/>
+          </p:nvPr>
+        </p:nvSpPr>
+        <p:spPr/>
+        <p:txBody>
+          <a:bodyPr>
+            <a:normAutofit/>
           </a:bodyPr>
           <a:lstStyle/>
           <a:p>
             <a:r>
-              <a:rPr lang="en-US" sz="2800" dirty="0">
+              <a:rPr lang="de-DE" sz="3600" dirty="0" smtClean="0">
                 <a:solidFill>
                   <a:schemeClr val="bg1"/>
                 </a:solidFill>
@@ -4963,10 +6138,38 @@
                 <a:ea typeface="Roboto Thin" panose="02000000000000000000" pitchFamily="2" charset="0"/>
                 <a:cs typeface="Roboto Thin" panose="02000000000000000000" pitchFamily="2" charset="0"/>
               </a:rPr>
-              <a:t>The most profound technologies are those that disappear</a:t>
-            </a:r>
-            <a:r>
-              <a:rPr lang="en-US" sz="2800" dirty="0" smtClean="0">
+              <a:t>Hardware</a:t>
+            </a:r>
+            <a:endParaRPr lang="de-DE" sz="3600" dirty="0">
+              <a:solidFill>
+                <a:schemeClr val="bg1"/>
+              </a:solidFill>
+              <a:latin typeface="Roboto Thin" panose="02000000000000000000" pitchFamily="2" charset="0"/>
+              <a:ea typeface="Roboto Thin" panose="02000000000000000000" pitchFamily="2" charset="0"/>
+              <a:cs typeface="Roboto Thin" panose="02000000000000000000" pitchFamily="2" charset="0"/>
+            </a:endParaRPr>
+          </a:p>
+        </p:txBody>
+      </p:sp>
+      <p:sp>
+        <p:nvSpPr>
+          <p:cNvPr id="3" name="Inhaltsplatzhalter 2"/>
+          <p:cNvSpPr>
+            <a:spLocks noGrp="1"/>
+          </p:cNvSpPr>
+          <p:nvPr>
+            <p:ph idx="1"/>
+          </p:nvPr>
+        </p:nvSpPr>
+        <p:spPr/>
+        <p:txBody>
+          <a:bodyPr>
+            <a:normAutofit/>
+          </a:bodyPr>
+          <a:lstStyle/>
+          <a:p>
+            <a:r>
+              <a:rPr lang="de-DE" sz="2400" dirty="0" smtClean="0">
                 <a:solidFill>
                   <a:schemeClr val="bg1"/>
                 </a:solidFill>
@@ -4974,10 +6177,12 @@
                 <a:ea typeface="Roboto Thin" panose="02000000000000000000" pitchFamily="2" charset="0"/>
                 <a:cs typeface="Roboto Thin" panose="02000000000000000000" pitchFamily="2" charset="0"/>
               </a:rPr>
-              <a:t>. </a:t>
-            </a:r>
-            <a:r>
-              <a:rPr lang="en-US" sz="2800" dirty="0">
+              <a:t>WLAN fähiger Microcontroller</a:t>
+            </a:r>
+          </a:p>
+          <a:p>
+            <a:r>
+              <a:rPr lang="de-DE" sz="2400" dirty="0" smtClean="0">
                 <a:solidFill>
                   <a:schemeClr val="bg1"/>
                 </a:solidFill>
@@ -4985,9 +6190,37 @@
                 <a:ea typeface="Roboto Thin" panose="02000000000000000000" pitchFamily="2" charset="0"/>
                 <a:cs typeface="Roboto Thin" panose="02000000000000000000" pitchFamily="2" charset="0"/>
               </a:rPr>
-              <a:t>They weave themselves into the fabric of everyday life until they are indistinguishable from it.</a:t>
-            </a:r>
-            <a:endParaRPr lang="de-DE" sz="2800" dirty="0">
+              <a:t>Solenoid</a:t>
+            </a:r>
+          </a:p>
+          <a:p>
+            <a:r>
+              <a:rPr lang="de-DE" sz="2400" dirty="0" smtClean="0">
+                <a:solidFill>
+                  <a:schemeClr val="bg1"/>
+                </a:solidFill>
+                <a:latin typeface="Roboto Thin" panose="02000000000000000000" pitchFamily="2" charset="0"/>
+                <a:ea typeface="Roboto Thin" panose="02000000000000000000" pitchFamily="2" charset="0"/>
+                <a:cs typeface="Roboto Thin" panose="02000000000000000000" pitchFamily="2" charset="0"/>
+              </a:rPr>
+              <a:t>Batterien</a:t>
+            </a:r>
+          </a:p>
+          <a:p>
+            <a:r>
+              <a:rPr lang="de-DE" sz="2400" dirty="0" smtClean="0">
+                <a:solidFill>
+                  <a:schemeClr val="bg1"/>
+                </a:solidFill>
+                <a:latin typeface="Roboto Thin" panose="02000000000000000000" pitchFamily="2" charset="0"/>
+                <a:ea typeface="Roboto Thin" panose="02000000000000000000" pitchFamily="2" charset="0"/>
+                <a:cs typeface="Roboto Thin" panose="02000000000000000000" pitchFamily="2" charset="0"/>
+              </a:rPr>
+              <a:t>Halterung</a:t>
+            </a:r>
+          </a:p>
+          <a:p>
+            <a:endParaRPr lang="de-DE" sz="2400" dirty="0">
               <a:solidFill>
                 <a:schemeClr val="bg1"/>
               </a:solidFill>
@@ -4998,76 +6231,27 @@
           </a:p>
         </p:txBody>
       </p:sp>
-      <p:sp>
-        <p:nvSpPr>
-          <p:cNvPr id="3" name="Textfeld 2"/>
-          <p:cNvSpPr txBox="1"/>
-          <p:nvPr/>
-        </p:nvSpPr>
-        <p:spPr>
-          <a:xfrm>
-            <a:off x="395817" y="2831067"/>
-            <a:ext cx="5602816" cy="369332"/>
-          </a:xfrm>
-          <a:prstGeom prst="rect">
-            <a:avLst/>
-          </a:prstGeom>
-          <a:noFill/>
-        </p:spPr>
-        <p:txBody>
-          <a:bodyPr wrap="none" rtlCol="0">
-            <a:spAutoFit/>
-          </a:bodyPr>
-          <a:lstStyle/>
-          <a:p>
-            <a:pPr algn="ctr"/>
-            <a:r>
-              <a:rPr lang="de-DE" dirty="0" smtClean="0">
-                <a:solidFill>
-                  <a:schemeClr val="bg1"/>
-                </a:solidFill>
-                <a:latin typeface="Roboto Thin" panose="02000000000000000000" pitchFamily="2" charset="0"/>
-                <a:ea typeface="Roboto Thin" panose="02000000000000000000" pitchFamily="2" charset="0"/>
-                <a:cs typeface="Roboto Thin" panose="02000000000000000000" pitchFamily="2" charset="0"/>
-              </a:rPr>
-              <a:t>Mark Weiser, 1991, </a:t>
-            </a:r>
-            <a:r>
-              <a:rPr lang="en-US" dirty="0">
-                <a:solidFill>
-                  <a:schemeClr val="bg1"/>
-                </a:solidFill>
-                <a:latin typeface="Roboto Thin" panose="02000000000000000000" pitchFamily="2" charset="0"/>
-                <a:ea typeface="Roboto Thin" panose="02000000000000000000" pitchFamily="2" charset="0"/>
-                <a:cs typeface="Roboto Thin" panose="02000000000000000000" pitchFamily="2" charset="0"/>
-              </a:rPr>
-              <a:t>The Computer for the 21st Century</a:t>
-            </a:r>
-            <a:endParaRPr lang="de-DE" dirty="0">
-              <a:solidFill>
-                <a:schemeClr val="bg1"/>
-              </a:solidFill>
-              <a:latin typeface="Roboto Thin" panose="02000000000000000000" pitchFamily="2" charset="0"/>
-              <a:ea typeface="Roboto Thin" panose="02000000000000000000" pitchFamily="2" charset="0"/>
-              <a:cs typeface="Roboto Thin" panose="02000000000000000000" pitchFamily="2" charset="0"/>
-            </a:endParaRPr>
-          </a:p>
-        </p:txBody>
-      </p:sp>
     </p:spTree>
     <p:extLst>
       <p:ext uri="{BB962C8B-B14F-4D97-AF65-F5344CB8AC3E}">
-        <p14:creationId xmlns:p14="http://schemas.microsoft.com/office/powerpoint/2010/main" val="1191928647"/>
+        <p14:creationId xmlns:p14="http://schemas.microsoft.com/office/powerpoint/2010/main" val="3653258189"/>
       </p:ext>
     </p:extLst>
   </p:cSld>
   <p:clrMapOvr>
     <a:masterClrMapping/>
   </p:clrMapOvr>
+  <p:timing>
+    <p:tnLst>
+      <p:par>
+        <p:cTn id="1" dur="indefinite" restart="never" nodeType="tmRoot"/>
+      </p:par>
+    </p:tnLst>
+  </p:timing>
 </p:sld>
 </file>
 
-<file path=ppt/slides/slide7.xml><?xml version="1.0" encoding="utf-8"?>
+<file path=ppt/slides/slide8.xml><?xml version="1.0" encoding="utf-8"?>
 <p:sld xmlns:a="http://schemas.openxmlformats.org/drawingml/2006/main" xmlns:r="http://schemas.openxmlformats.org/officeDocument/2006/relationships" xmlns:p="http://schemas.openxmlformats.org/presentationml/2006/main">
   <p:cSld>
     <p:spTree>
@@ -5084,91 +6268,235 @@
           <a:chExt cx="0" cy="0"/>
         </a:xfrm>
       </p:grpSpPr>
-      <p:sp>
-        <p:nvSpPr>
-          <p:cNvPr id="2" name="Titel 1"/>
-          <p:cNvSpPr>
-            <a:spLocks noGrp="1"/>
-          </p:cNvSpPr>
-          <p:nvPr>
-            <p:ph type="title"/>
-          </p:nvPr>
-        </p:nvSpPr>
-        <p:spPr/>
-        <p:txBody>
-          <a:bodyPr/>
-          <a:lstStyle/>
-          <a:p>
-            <a:r>
-              <a:rPr lang="de-DE" dirty="0" smtClean="0"/>
-              <a:t>Quellen</a:t>
-            </a:r>
-            <a:endParaRPr lang="de-DE" dirty="0"/>
-          </a:p>
-        </p:txBody>
-      </p:sp>
-      <p:sp>
-        <p:nvSpPr>
-          <p:cNvPr id="3" name="Inhaltsplatzhalter 2"/>
-          <p:cNvSpPr>
-            <a:spLocks noGrp="1"/>
-          </p:cNvSpPr>
-          <p:nvPr>
-            <p:ph idx="1"/>
-          </p:nvPr>
-        </p:nvSpPr>
-        <p:spPr/>
-        <p:txBody>
-          <a:bodyPr/>
-          <a:lstStyle/>
-          <a:p>
-            <a:r>
-              <a:rPr lang="de-DE" dirty="0">
-                <a:hlinkClick r:id="rId2"/>
-              </a:rPr>
-              <a:t>https://www.ics.uci.edu/~</a:t>
-            </a:r>
-            <a:r>
-              <a:rPr lang="de-DE" dirty="0" smtClean="0">
-                <a:hlinkClick r:id="rId2"/>
-              </a:rPr>
-              <a:t>corps/phaseii/Weiser-Computer21stCentury-SciAm.pdf</a:t>
-            </a:r>
-            <a:endParaRPr lang="de-DE" dirty="0" smtClean="0"/>
-          </a:p>
-          <a:p>
-            <a:r>
-              <a:rPr lang="de-DE" dirty="0">
-                <a:hlinkClick r:id="rId3"/>
-              </a:rPr>
-              <a:t>https://www.facebook.com/notes/facebook-engineering/visualizing-friendships/469716398919</a:t>
-            </a:r>
-            <a:r>
-              <a:rPr lang="de-DE" dirty="0" smtClean="0">
-                <a:hlinkClick r:id="rId3"/>
-              </a:rPr>
-              <a:t>/</a:t>
-            </a:r>
-            <a:endParaRPr lang="de-DE" dirty="0" smtClean="0"/>
-          </a:p>
-          <a:p>
-            <a:r>
-              <a:rPr lang="de-DE" dirty="0"/>
-              <a:t>https://de.wikipedia.org/wiki/Internet_der_Dinge</a:t>
-            </a:r>
-          </a:p>
-        </p:txBody>
-      </p:sp>
+      <p:pic>
+        <p:nvPicPr>
+          <p:cNvPr id="4" name="Grafik 3"/>
+          <p:cNvPicPr>
+            <a:picLocks noChangeAspect="1"/>
+          </p:cNvPicPr>
+          <p:nvPr/>
+        </p:nvPicPr>
+        <p:blipFill>
+          <a:blip r:embed="rId3" cstate="print">
+            <a:extLst>
+              <a:ext uri="{28A0092B-C50C-407E-A947-70E740481C1C}">
+                <a14:useLocalDpi xmlns:a14="http://schemas.microsoft.com/office/drawing/2010/main" val="0"/>
+              </a:ext>
+            </a:extLst>
+          </a:blip>
+          <a:stretch>
+            <a:fillRect/>
+          </a:stretch>
+        </p:blipFill>
+        <p:spPr>
+          <a:xfrm>
+            <a:off x="0" y="367341"/>
+            <a:ext cx="6400799" cy="2865768"/>
+          </a:xfrm>
+          <a:prstGeom prst="rect">
+            <a:avLst/>
+          </a:prstGeom>
+        </p:spPr>
+      </p:pic>
     </p:spTree>
     <p:extLst>
       <p:ext uri="{BB962C8B-B14F-4D97-AF65-F5344CB8AC3E}">
-        <p14:creationId xmlns:p14="http://schemas.microsoft.com/office/powerpoint/2010/main" val="3205735628"/>
+        <p14:creationId xmlns:p14="http://schemas.microsoft.com/office/powerpoint/2010/main" val="1708658229"/>
       </p:ext>
     </p:extLst>
   </p:cSld>
   <p:clrMapOvr>
     <a:masterClrMapping/>
   </p:clrMapOvr>
+  <p:timing>
+    <p:tnLst>
+      <p:par>
+        <p:cTn id="1" dur="indefinite" restart="never" nodeType="tmRoot"/>
+      </p:par>
+    </p:tnLst>
+  </p:timing>
+</p:sld>
+</file>
+
+<file path=ppt/slides/slide9.xml><?xml version="1.0" encoding="utf-8"?>
+<p:sld xmlns:a="http://schemas.openxmlformats.org/drawingml/2006/main" xmlns:r="http://schemas.openxmlformats.org/officeDocument/2006/relationships" xmlns:p="http://schemas.openxmlformats.org/presentationml/2006/main">
+  <p:cSld>
+    <p:spTree>
+      <p:nvGrpSpPr>
+        <p:cNvPr id="1" name=""/>
+        <p:cNvGrpSpPr/>
+        <p:nvPr/>
+      </p:nvGrpSpPr>
+      <p:grpSpPr>
+        <a:xfrm>
+          <a:off x="0" y="0"/>
+          <a:ext cx="0" cy="0"/>
+          <a:chOff x="0" y="0"/>
+          <a:chExt cx="0" cy="0"/>
+        </a:xfrm>
+      </p:grpSpPr>
+      <p:pic>
+        <p:nvPicPr>
+          <p:cNvPr id="4" name="Grafik 3"/>
+          <p:cNvPicPr>
+            <a:picLocks noChangeAspect="1"/>
+          </p:cNvPicPr>
+          <p:nvPr/>
+        </p:nvPicPr>
+        <p:blipFill>
+          <a:blip r:embed="rId2" cstate="print">
+            <a:extLst>
+              <a:ext uri="{BEBA8EAE-BF5A-486C-A8C5-ECC9F3942E4B}">
+                <a14:imgProps xmlns:a14="http://schemas.microsoft.com/office/drawing/2010/main">
+                  <a14:imgLayer r:embed="rId3">
+                    <a14:imgEffect>
+                      <a14:brightnessContrast bright="-40000"/>
+                    </a14:imgEffect>
+                  </a14:imgLayer>
+                </a14:imgProps>
+              </a:ext>
+              <a:ext uri="{28A0092B-C50C-407E-A947-70E740481C1C}">
+                <a14:useLocalDpi xmlns:a14="http://schemas.microsoft.com/office/drawing/2010/main" val="0"/>
+              </a:ext>
+            </a:extLst>
+          </a:blip>
+          <a:stretch>
+            <a:fillRect/>
+          </a:stretch>
+        </p:blipFill>
+        <p:spPr>
+          <a:xfrm>
+            <a:off x="0" y="0"/>
+            <a:ext cx="6400800" cy="3600450"/>
+          </a:xfrm>
+          <a:prstGeom prst="rect">
+            <a:avLst/>
+          </a:prstGeom>
+        </p:spPr>
+      </p:pic>
+      <p:sp>
+        <p:nvSpPr>
+          <p:cNvPr id="2" name="Titel 1"/>
+          <p:cNvSpPr>
+            <a:spLocks noGrp="1"/>
+          </p:cNvSpPr>
+          <p:nvPr>
+            <p:ph type="title"/>
+          </p:nvPr>
+        </p:nvSpPr>
+        <p:spPr/>
+        <p:txBody>
+          <a:bodyPr>
+            <a:normAutofit/>
+          </a:bodyPr>
+          <a:lstStyle/>
+          <a:p>
+            <a:r>
+              <a:rPr lang="de-DE" sz="3600" dirty="0" smtClean="0">
+                <a:solidFill>
+                  <a:schemeClr val="bg1"/>
+                </a:solidFill>
+                <a:latin typeface="Roboto Thin" panose="02000000000000000000" pitchFamily="2" charset="0"/>
+                <a:ea typeface="Roboto Thin" panose="02000000000000000000" pitchFamily="2" charset="0"/>
+                <a:cs typeface="Roboto Thin" panose="02000000000000000000" pitchFamily="2" charset="0"/>
+              </a:rPr>
+              <a:t>Software</a:t>
+            </a:r>
+            <a:endParaRPr lang="de-DE" sz="3600" dirty="0">
+              <a:solidFill>
+                <a:schemeClr val="bg1"/>
+              </a:solidFill>
+              <a:latin typeface="Roboto Thin" panose="02000000000000000000" pitchFamily="2" charset="0"/>
+              <a:ea typeface="Roboto Thin" panose="02000000000000000000" pitchFamily="2" charset="0"/>
+              <a:cs typeface="Roboto Thin" panose="02000000000000000000" pitchFamily="2" charset="0"/>
+            </a:endParaRPr>
+          </a:p>
+        </p:txBody>
+      </p:sp>
+      <p:sp>
+        <p:nvSpPr>
+          <p:cNvPr id="3" name="Inhaltsplatzhalter 2"/>
+          <p:cNvSpPr>
+            <a:spLocks noGrp="1"/>
+          </p:cNvSpPr>
+          <p:nvPr>
+            <p:ph idx="1"/>
+          </p:nvPr>
+        </p:nvSpPr>
+        <p:spPr/>
+        <p:txBody>
+          <a:bodyPr>
+            <a:normAutofit/>
+          </a:bodyPr>
+          <a:lstStyle/>
+          <a:p>
+            <a:r>
+              <a:rPr lang="de-DE" sz="2400" dirty="0" smtClean="0">
+                <a:solidFill>
+                  <a:schemeClr val="bg1"/>
+                </a:solidFill>
+                <a:latin typeface="Roboto Thin" panose="02000000000000000000" pitchFamily="2" charset="0"/>
+                <a:ea typeface="Roboto Thin" panose="02000000000000000000" pitchFamily="2" charset="0"/>
+                <a:cs typeface="Roboto Thin" panose="02000000000000000000" pitchFamily="2" charset="0"/>
+              </a:rPr>
+              <a:t>Server + Client auf Microcontroller (C)</a:t>
+            </a:r>
+          </a:p>
+          <a:p>
+            <a:r>
+              <a:rPr lang="de-DE" sz="2400" dirty="0" smtClean="0">
+                <a:solidFill>
+                  <a:schemeClr val="bg1"/>
+                </a:solidFill>
+                <a:latin typeface="Roboto Thin" panose="02000000000000000000" pitchFamily="2" charset="0"/>
+                <a:ea typeface="Roboto Thin" panose="02000000000000000000" pitchFamily="2" charset="0"/>
+                <a:cs typeface="Roboto Thin" panose="02000000000000000000" pitchFamily="2" charset="0"/>
+              </a:rPr>
+              <a:t>Android App (Java)</a:t>
+            </a:r>
+          </a:p>
+          <a:p>
+            <a:r>
+              <a:rPr lang="de-DE" sz="2400" dirty="0" smtClean="0">
+                <a:solidFill>
+                  <a:schemeClr val="bg1"/>
+                </a:solidFill>
+                <a:latin typeface="Roboto Thin" panose="02000000000000000000" pitchFamily="2" charset="0"/>
+                <a:ea typeface="Roboto Thin" panose="02000000000000000000" pitchFamily="2" charset="0"/>
+                <a:cs typeface="Roboto Thin" panose="02000000000000000000" pitchFamily="2" charset="0"/>
+              </a:rPr>
+              <a:t>Webserver (PHP)</a:t>
+            </a:r>
+          </a:p>
+          <a:p>
+            <a:endParaRPr lang="de-DE" sz="2400" dirty="0">
+              <a:solidFill>
+                <a:schemeClr val="bg1"/>
+              </a:solidFill>
+              <a:latin typeface="Roboto Thin" panose="02000000000000000000" pitchFamily="2" charset="0"/>
+              <a:ea typeface="Roboto Thin" panose="02000000000000000000" pitchFamily="2" charset="0"/>
+              <a:cs typeface="Roboto Thin" panose="02000000000000000000" pitchFamily="2" charset="0"/>
+            </a:endParaRPr>
+          </a:p>
+        </p:txBody>
+      </p:sp>
+    </p:spTree>
+    <p:extLst>
+      <p:ext uri="{BB962C8B-B14F-4D97-AF65-F5344CB8AC3E}">
+        <p14:creationId xmlns:p14="http://schemas.microsoft.com/office/powerpoint/2010/main" val="2301811061"/>
+      </p:ext>
+    </p:extLst>
+  </p:cSld>
+  <p:clrMapOvr>
+    <a:masterClrMapping/>
+  </p:clrMapOvr>
+  <p:timing>
+    <p:tnLst>
+      <p:par>
+        <p:cTn id="1" dur="indefinite" restart="never" nodeType="tmRoot"/>
+      </p:par>
+    </p:tnLst>
+  </p:timing>
 </p:sld>
 </file>
 
